--- a/doc/AMSI_Grupo_ADG_FASE1_Apresentacao.pptx
+++ b/doc/AMSI_Grupo_ADG_FASE1_Apresentacao.pptx
@@ -10786,7 +10786,7 @@
         </p:blipFill>
         <p:spPr bwMode="auto">
           <a:xfrm>
-            <a:off x="3528694" y="1574162"/>
+            <a:off x="3528694" y="1691159"/>
             <a:ext cx="5134610" cy="4464685"/>
           </a:xfrm>
           <a:prstGeom prst="rect">
